--- a/Batch-09/Proff Lecture Material/16. IP Address.pptx
+++ b/Batch-09/Proff Lecture Material/16. IP Address.pptx
@@ -304,7 +304,7 @@
             <a:fld id="{1D8BD707-D9CF-40AE-B4C6-C98DA3205C09}" type="datetimeFigureOut">
               <a:rPr lang="en-US" smtClean="0"/>
               <a:pPr/>
-              <a:t>4/13/2021</a:t>
+              <a:t>8/23/2022</a:t>
             </a:fld>
             <a:endParaRPr lang="en-US"/>
           </a:p>
@@ -470,7 +470,7 @@
             <a:fld id="{1D8BD707-D9CF-40AE-B4C6-C98DA3205C09}" type="datetimeFigureOut">
               <a:rPr lang="en-US" smtClean="0"/>
               <a:pPr/>
-              <a:t>4/13/2021</a:t>
+              <a:t>8/23/2022</a:t>
             </a:fld>
             <a:endParaRPr lang="en-US"/>
           </a:p>
@@ -646,7 +646,7 @@
             <a:fld id="{1D8BD707-D9CF-40AE-B4C6-C98DA3205C09}" type="datetimeFigureOut">
               <a:rPr lang="en-US" smtClean="0"/>
               <a:pPr/>
-              <a:t>4/13/2021</a:t>
+              <a:t>8/23/2022</a:t>
             </a:fld>
             <a:endParaRPr lang="en-US"/>
           </a:p>
@@ -812,7 +812,7 @@
             <a:fld id="{1D8BD707-D9CF-40AE-B4C6-C98DA3205C09}" type="datetimeFigureOut">
               <a:rPr lang="en-US" smtClean="0"/>
               <a:pPr/>
-              <a:t>4/13/2021</a:t>
+              <a:t>8/23/2022</a:t>
             </a:fld>
             <a:endParaRPr lang="en-US"/>
           </a:p>
@@ -1055,7 +1055,7 @@
             <a:fld id="{1D8BD707-D9CF-40AE-B4C6-C98DA3205C09}" type="datetimeFigureOut">
               <a:rPr lang="en-US" smtClean="0"/>
               <a:pPr/>
-              <a:t>4/13/2021</a:t>
+              <a:t>8/23/2022</a:t>
             </a:fld>
             <a:endParaRPr lang="en-US"/>
           </a:p>
@@ -1320,7 +1320,7 @@
             <a:fld id="{1D8BD707-D9CF-40AE-B4C6-C98DA3205C09}" type="datetimeFigureOut">
               <a:rPr lang="en-US" smtClean="0"/>
               <a:pPr/>
-              <a:t>4/13/2021</a:t>
+              <a:t>8/23/2022</a:t>
             </a:fld>
             <a:endParaRPr lang="en-US"/>
           </a:p>
@@ -1699,7 +1699,7 @@
             <a:fld id="{1D8BD707-D9CF-40AE-B4C6-C98DA3205C09}" type="datetimeFigureOut">
               <a:rPr lang="en-US" smtClean="0"/>
               <a:pPr/>
-              <a:t>4/13/2021</a:t>
+              <a:t>8/23/2022</a:t>
             </a:fld>
             <a:endParaRPr lang="en-US"/>
           </a:p>
@@ -1850,7 +1850,7 @@
             <a:fld id="{1D8BD707-D9CF-40AE-B4C6-C98DA3205C09}" type="datetimeFigureOut">
               <a:rPr lang="en-US" smtClean="0"/>
               <a:pPr/>
-              <a:t>4/13/2021</a:t>
+              <a:t>8/23/2022</a:t>
             </a:fld>
             <a:endParaRPr lang="en-US"/>
           </a:p>
@@ -1942,7 +1942,7 @@
             <a:fld id="{1D8BD707-D9CF-40AE-B4C6-C98DA3205C09}" type="datetimeFigureOut">
               <a:rPr lang="en-US" smtClean="0"/>
               <a:pPr/>
-              <a:t>4/13/2021</a:t>
+              <a:t>8/23/2022</a:t>
             </a:fld>
             <a:endParaRPr lang="en-US"/>
           </a:p>
@@ -2204,7 +2204,7 @@
             <a:fld id="{1D8BD707-D9CF-40AE-B4C6-C98DA3205C09}" type="datetimeFigureOut">
               <a:rPr lang="en-US" smtClean="0"/>
               <a:pPr/>
-              <a:t>4/13/2021</a:t>
+              <a:t>8/23/2022</a:t>
             </a:fld>
             <a:endParaRPr lang="en-US"/>
           </a:p>
@@ -2493,7 +2493,7 @@
             <a:fld id="{1D8BD707-D9CF-40AE-B4C6-C98DA3205C09}" type="datetimeFigureOut">
               <a:rPr lang="en-US" smtClean="0"/>
               <a:pPr/>
-              <a:t>4/13/2021</a:t>
+              <a:t>8/23/2022</a:t>
             </a:fld>
             <a:endParaRPr lang="en-US"/>
           </a:p>
@@ -3264,7 +3264,7 @@
             <a:fld id="{1D8BD707-D9CF-40AE-B4C6-C98DA3205C09}" type="datetimeFigureOut">
               <a:rPr lang="en-US" smtClean="0"/>
               <a:pPr/>
-              <a:t>4/13/2021</a:t>
+              <a:t>8/23/2022</a:t>
             </a:fld>
             <a:endParaRPr lang="en-US"/>
           </a:p>
@@ -4731,7 +4731,7 @@
         <p:spPr>
           <a:xfrm>
             <a:off x="618540" y="1610995"/>
-            <a:ext cx="7116445" cy="3094355"/>
+            <a:ext cx="7116445" cy="2821925"/>
           </a:xfrm>
           <a:prstGeom prst="rect">
             <a:avLst/>
@@ -4905,7 +4905,7 @@
               </a:rPr>
               <a:t>host.</a:t>
             </a:r>
-            <a:endParaRPr sz="1800">
+            <a:endParaRPr sz="1800" dirty="0">
               <a:latin typeface="Nimbus Sans L"/>
               <a:cs typeface="Nimbus Sans L"/>
             </a:endParaRPr>
@@ -4919,7 +4919,7 @@
                 <a:spcPts val="15"/>
               </a:spcBef>
             </a:pPr>
-            <a:endParaRPr sz="2900">
+            <a:endParaRPr sz="2900" dirty="0">
               <a:latin typeface="Nimbus Sans L"/>
               <a:cs typeface="Nimbus Sans L"/>
             </a:endParaRPr>
@@ -4984,7 +4984,7 @@
                 <a:latin typeface="Nimbus Sans L"/>
                 <a:cs typeface="Nimbus Sans L"/>
               </a:rPr>
-              <a:t>to  </a:t>
+              <a:t>to </a:t>
             </a:r>
             <a:r>
               <a:rPr sz="1800" spc="-5" dirty="0">
@@ -5056,7 +5056,7 @@
               </a:rPr>
               <a:t>network.</a:t>
             </a:r>
-            <a:endParaRPr sz="1800">
+            <a:endParaRPr sz="1800" dirty="0">
               <a:latin typeface="Nimbus Sans L"/>
               <a:cs typeface="Nimbus Sans L"/>
             </a:endParaRPr>
@@ -5070,7 +5070,7 @@
                 <a:spcPts val="40"/>
               </a:spcBef>
             </a:pPr>
-            <a:endParaRPr sz="2750">
+            <a:endParaRPr sz="2750" dirty="0">
               <a:latin typeface="Nimbus Sans L"/>
               <a:cs typeface="Nimbus Sans L"/>
             </a:endParaRPr>
@@ -5144,10 +5144,6 @@
               </a:rPr>
               <a:t>E</a:t>
             </a:r>
-            <a:endParaRPr sz="1800">
-              <a:latin typeface="Nimbus Sans L"/>
-              <a:cs typeface="Nimbus Sans L"/>
-            </a:endParaRPr>
           </a:p>
           <a:p>
             <a:pPr marL="12700" algn="just">
@@ -5221,7 +5217,7 @@
               </a:rPr>
               <a:t>purposes.</a:t>
             </a:r>
-            <a:endParaRPr sz="1800">
+            <a:endParaRPr sz="1800" dirty="0">
               <a:latin typeface="Nimbus Sans L"/>
               <a:cs typeface="Nimbus Sans L"/>
             </a:endParaRPr>
